--- a/presentation/projeto-nlp-01.pptx
+++ b/presentation/projeto-nlp-01.pptx
@@ -17,7 +17,7 @@
     <p:sldId id="264" r:id="rId8"/>
     <p:sldId id="266" r:id="rId9"/>
     <p:sldId id="267" r:id="rId10"/>
-    <p:sldId id="269" r:id="rId11"/>
+    <p:sldId id="277" r:id="rId11"/>
     <p:sldId id="268" r:id="rId12"/>
     <p:sldId id="270" r:id="rId13"/>
     <p:sldId id="271" r:id="rId14"/>
@@ -6697,7 +6697,7 @@
         <p:cNvPr id="1" name="">
           <a:extLst>
             <a:ext uri="{FF2B5EF4-FFF2-40B4-BE49-F238E27FC236}">
-              <a16:creationId xmlns:a16="http://schemas.microsoft.com/office/drawing/2014/main" id="{0ECDD129-7F64-08E2-6FEC-A4F83AA2CF2A}"/>
+              <a16:creationId xmlns:a16="http://schemas.microsoft.com/office/drawing/2014/main" id="{1A164256-C602-98F8-ECF3-DF105C6E69B2}"/>
             </a:ext>
           </a:extLst>
         </p:cNvPr>
@@ -6717,7 +6717,7 @@
           <p:cNvPr id="2" name="Title 1">
             <a:extLst>
               <a:ext uri="{FF2B5EF4-FFF2-40B4-BE49-F238E27FC236}">
-                <a16:creationId xmlns:a16="http://schemas.microsoft.com/office/drawing/2014/main" id="{CE2499ED-4DA7-AD2F-97CD-EAA8B417B17A}"/>
+                <a16:creationId xmlns:a16="http://schemas.microsoft.com/office/drawing/2014/main" id="{85740891-51B6-9D7D-1AF1-87480996B005}"/>
               </a:ext>
             </a:extLst>
           </p:cNvPr>
@@ -6740,35 +6740,45 @@
           </a:p>
         </p:txBody>
       </p:sp>
-      <p:sp>
-        <p:nvSpPr>
-          <p:cNvPr id="4" name="Content Placeholder 3">
+      <p:pic>
+        <p:nvPicPr>
+          <p:cNvPr id="7" name="Content Placeholder 6">
             <a:extLst>
               <a:ext uri="{FF2B5EF4-FFF2-40B4-BE49-F238E27FC236}">
-                <a16:creationId xmlns:a16="http://schemas.microsoft.com/office/drawing/2014/main" id="{AAE1FC3E-11D3-474C-7817-A366383DB554}"/>
+                <a16:creationId xmlns:a16="http://schemas.microsoft.com/office/drawing/2014/main" id="{FC9D62B0-2217-2DE0-AEA3-85ABF0A9E8C7}"/>
               </a:ext>
             </a:extLst>
           </p:cNvPr>
-          <p:cNvSpPr>
-            <a:spLocks noGrp="1"/>
-          </p:cNvSpPr>
+          <p:cNvPicPr>
+            <a:picLocks noGrp="1" noChangeAspect="1"/>
+          </p:cNvPicPr>
           <p:nvPr>
             <p:ph idx="1"/>
           </p:nvPr>
-        </p:nvSpPr>
-        <p:spPr/>
-        <p:txBody>
-          <a:bodyPr/>
-          <a:lstStyle/>
-          <a:p>
-            <a:endParaRPr lang="en-US"/>
-          </a:p>
-        </p:txBody>
-      </p:sp>
+        </p:nvPicPr>
+        <p:blipFill>
+          <a:blip r:embed="rId2">
+            <a:extLst>
+              <a:ext uri="{28A0092B-C50C-407E-A947-70E740481C1C}">
+                <a14:useLocalDpi xmlns:a14="http://schemas.microsoft.com/office/drawing/2010/main" val="0"/>
+              </a:ext>
+            </a:extLst>
+          </a:blip>
+          <a:stretch>
+            <a:fillRect/>
+          </a:stretch>
+        </p:blipFill>
+        <p:spPr>
+          <a:xfrm>
+            <a:off x="619585" y="2751993"/>
+            <a:ext cx="10949656" cy="2954214"/>
+          </a:xfrm>
+        </p:spPr>
+      </p:pic>
     </p:spTree>
     <p:extLst>
       <p:ext uri="{BB962C8B-B14F-4D97-AF65-F5344CB8AC3E}">
-        <p14:creationId xmlns:p14="http://schemas.microsoft.com/office/powerpoint/2010/main" val="835660040"/>
+        <p14:creationId xmlns:p14="http://schemas.microsoft.com/office/powerpoint/2010/main" val="1008760134"/>
       </p:ext>
     </p:extLst>
   </p:cSld>
@@ -9127,10 +9137,10 @@
       </p:sp>
       <p:pic>
         <p:nvPicPr>
-          <p:cNvPr id="7" name="Content Placeholder 6">
+          <p:cNvPr id="15" name="Content Placeholder 14">
             <a:extLst>
               <a:ext uri="{FF2B5EF4-FFF2-40B4-BE49-F238E27FC236}">
-                <a16:creationId xmlns:a16="http://schemas.microsoft.com/office/drawing/2014/main" id="{B1CBE4D4-2F92-5650-672F-CED8F81D34F2}"/>
+                <a16:creationId xmlns:a16="http://schemas.microsoft.com/office/drawing/2014/main" id="{51077F0A-3E76-349B-9250-6D5BB6CD538E}"/>
               </a:ext>
             </a:extLst>
           </p:cNvPr>
@@ -9155,8 +9165,8 @@
         </p:blipFill>
         <p:spPr>
           <a:xfrm>
-            <a:off x="619585" y="2751993"/>
-            <a:ext cx="10949656" cy="2954214"/>
+            <a:off x="1758463" y="1790128"/>
+            <a:ext cx="8671900" cy="4877944"/>
           </a:xfrm>
         </p:spPr>
       </p:pic>
